--- a/presentations/Updates 8-1-20.pptx
+++ b/presentations/Updates 8-1-20.pptx
@@ -5,7 +5,7 @@
     <p:sldMasterId id="2147483648" r:id="rId1"/>
   </p:sldMasterIdLst>
   <p:notesMasterIdLst>
-    <p:notesMasterId r:id="rId33"/>
+    <p:notesMasterId r:id="rId34"/>
   </p:notesMasterIdLst>
   <p:sldIdLst>
     <p:sldId id="256" r:id="rId2"/>
@@ -26,19 +26,20 @@
     <p:sldId id="262" r:id="rId17"/>
     <p:sldId id="269" r:id="rId18"/>
     <p:sldId id="295" r:id="rId19"/>
-    <p:sldId id="296" r:id="rId20"/>
-    <p:sldId id="293" r:id="rId21"/>
-    <p:sldId id="281" r:id="rId22"/>
-    <p:sldId id="282" r:id="rId23"/>
-    <p:sldId id="264" r:id="rId24"/>
-    <p:sldId id="294" r:id="rId25"/>
-    <p:sldId id="289" r:id="rId26"/>
-    <p:sldId id="277" r:id="rId27"/>
-    <p:sldId id="279" r:id="rId28"/>
-    <p:sldId id="272" r:id="rId29"/>
-    <p:sldId id="276" r:id="rId30"/>
-    <p:sldId id="283" r:id="rId31"/>
-    <p:sldId id="284" r:id="rId32"/>
+    <p:sldId id="297" r:id="rId20"/>
+    <p:sldId id="298" r:id="rId21"/>
+    <p:sldId id="293" r:id="rId22"/>
+    <p:sldId id="281" r:id="rId23"/>
+    <p:sldId id="282" r:id="rId24"/>
+    <p:sldId id="264" r:id="rId25"/>
+    <p:sldId id="294" r:id="rId26"/>
+    <p:sldId id="289" r:id="rId27"/>
+    <p:sldId id="277" r:id="rId28"/>
+    <p:sldId id="279" r:id="rId29"/>
+    <p:sldId id="272" r:id="rId30"/>
+    <p:sldId id="276" r:id="rId31"/>
+    <p:sldId id="283" r:id="rId32"/>
+    <p:sldId id="284" r:id="rId33"/>
   </p:sldIdLst>
   <p:sldSz cx="12192000" cy="6858000"/>
   <p:notesSz cx="6858000" cy="9144000"/>
@@ -4882,7 +4883,7 @@
           <a:p>
             <a:fld id="{C6F3DA7C-EC83-4247-A7C9-512D14D879DF}" type="slidenum">
               <a:rPr lang="en-US" smtClean="0"/>
-              <a:t>23</a:t>
+              <a:t>24</a:t>
             </a:fld>
             <a:endParaRPr lang="en-US"/>
           </a:p>
@@ -4966,7 +4967,7 @@
           <a:p>
             <a:fld id="{C6F3DA7C-EC83-4247-A7C9-512D14D879DF}" type="slidenum">
               <a:rPr lang="en-US" smtClean="0"/>
-              <a:t>26</a:t>
+              <a:t>27</a:t>
             </a:fld>
             <a:endParaRPr lang="en-US"/>
           </a:p>
@@ -14884,12 +14885,13 @@
         </p:nvPicPr>
         <p:blipFill>
           <a:blip r:embed="rId3"/>
+          <a:srcRect/>
           <a:stretch/>
         </p:blipFill>
         <p:spPr>
           <a:xfrm>
-            <a:off x="4038600" y="1175003"/>
-            <a:ext cx="7188199" cy="4504604"/>
+            <a:off x="4345375" y="1367654"/>
+            <a:ext cx="6574649" cy="4119301"/>
           </a:xfrm>
           <a:prstGeom prst="rect">
             <a:avLst/>
@@ -15137,7 +15139,7 @@
           <p:nvPr>
             <p:extLst>
               <p:ext uri="{D42A27DB-BD31-4B8C-83A1-F6EECF244321}">
-                <p14:modId xmlns:p14="http://schemas.microsoft.com/office/powerpoint/2010/main" val="958528396"/>
+                <p14:modId xmlns:p14="http://schemas.microsoft.com/office/powerpoint/2010/main" val="4079835604"/>
               </p:ext>
             </p:extLst>
           </p:nvPr>
@@ -15986,11 +15988,14 @@
                     <a:bodyPr/>
                     <a:lstStyle/>
                     <a:p>
-                      <a:endParaRPr lang="en-US" sz="2600" cap="none" spc="0" dirty="0">
-                        <a:solidFill>
-                          <a:schemeClr val="tx1"/>
-                        </a:solidFill>
-                      </a:endParaRPr>
+                      <a:r>
+                        <a:rPr lang="en-US" sz="2600" cap="none" spc="0" dirty="0">
+                          <a:solidFill>
+                            <a:schemeClr val="tx1"/>
+                          </a:solidFill>
+                        </a:rPr>
+                        <a:t>TODO</a:t>
+                      </a:r>
                     </a:p>
                   </a:txBody>
                   <a:tcPr marL="222258" marR="165182" marT="170969" marB="170969">
@@ -16050,11 +16055,14 @@
                     <a:bodyPr/>
                     <a:lstStyle/>
                     <a:p>
-                      <a:endParaRPr lang="en-US" sz="2600" cap="none" spc="0" dirty="0">
-                        <a:solidFill>
-                          <a:schemeClr val="tx1"/>
-                        </a:solidFill>
-                      </a:endParaRPr>
+                      <a:r>
+                        <a:rPr lang="en-US" sz="2600" cap="none" spc="0" dirty="0">
+                          <a:solidFill>
+                            <a:schemeClr val="tx1"/>
+                          </a:solidFill>
+                        </a:rPr>
+                        <a:t>TODO</a:t>
+                      </a:r>
                     </a:p>
                   </a:txBody>
                   <a:tcPr marL="222258" marR="165182" marT="170969" marB="170969">
@@ -16114,11 +16122,14 @@
                     <a:bodyPr/>
                     <a:lstStyle/>
                     <a:p>
-                      <a:endParaRPr lang="en-US" sz="2600" cap="none" spc="0" dirty="0">
-                        <a:solidFill>
-                          <a:schemeClr val="tx1"/>
-                        </a:solidFill>
-                      </a:endParaRPr>
+                      <a:r>
+                        <a:rPr lang="en-US" sz="2600" cap="none" spc="0" dirty="0">
+                          <a:solidFill>
+                            <a:schemeClr val="tx1"/>
+                          </a:solidFill>
+                        </a:rPr>
+                        <a:t>TODO</a:t>
+                      </a:r>
                     </a:p>
                   </a:txBody>
                   <a:tcPr marL="222258" marR="165182" marT="170969" marB="170969">
@@ -16186,7 +16197,7 @@
                     <a:lstStyle/>
                     <a:p>
                       <a:r>
-                        <a:rPr lang="en-US" sz="2600" cap="none" spc="0">
+                        <a:rPr lang="en-US" sz="2600" cap="none" spc="0" dirty="0">
                           <a:solidFill>
                             <a:schemeClr val="tx1"/>
                           </a:solidFill>
@@ -16641,11 +16652,14 @@
                     <a:bodyPr/>
                     <a:lstStyle/>
                     <a:p>
-                      <a:endParaRPr lang="en-US" sz="2600" cap="none" spc="0" dirty="0">
-                        <a:solidFill>
-                          <a:schemeClr val="tx1"/>
-                        </a:solidFill>
-                      </a:endParaRPr>
+                      <a:r>
+                        <a:rPr lang="en-US" sz="2600" cap="none" spc="0" dirty="0">
+                          <a:solidFill>
+                            <a:schemeClr val="tx1"/>
+                          </a:solidFill>
+                        </a:rPr>
+                        <a:t>TODO</a:t>
+                      </a:r>
                     </a:p>
                   </a:txBody>
                   <a:tcPr marL="222258" marR="165182" marT="170969" marB="170969">
@@ -16705,11 +16719,14 @@
                     <a:bodyPr/>
                     <a:lstStyle/>
                     <a:p>
-                      <a:endParaRPr lang="en-US" sz="2600" cap="none" spc="0" dirty="0">
-                        <a:solidFill>
-                          <a:schemeClr val="tx1"/>
-                        </a:solidFill>
-                      </a:endParaRPr>
+                      <a:r>
+                        <a:rPr lang="en-US" sz="2600" cap="none" spc="0" dirty="0">
+                          <a:solidFill>
+                            <a:schemeClr val="tx1"/>
+                          </a:solidFill>
+                        </a:rPr>
+                        <a:t>TODO</a:t>
+                      </a:r>
                     </a:p>
                   </a:txBody>
                   <a:tcPr marL="222258" marR="165182" marT="170969" marB="170969">
@@ -16769,11 +16786,14 @@
                     <a:bodyPr/>
                     <a:lstStyle/>
                     <a:p>
-                      <a:endParaRPr lang="en-US" sz="2600" cap="none" spc="0" dirty="0">
-                        <a:solidFill>
-                          <a:schemeClr val="tx1"/>
-                        </a:solidFill>
-                      </a:endParaRPr>
+                      <a:r>
+                        <a:rPr lang="en-US" sz="2600" cap="none" spc="0" dirty="0">
+                          <a:solidFill>
+                            <a:schemeClr val="tx1"/>
+                          </a:solidFill>
+                        </a:rPr>
+                        <a:t>TODO</a:t>
+                      </a:r>
                     </a:p>
                   </a:txBody>
                   <a:tcPr marL="222258" marR="165182" marT="170969" marB="170969">
@@ -17323,6 +17343,14 @@
 <file path=ppt/slides/slide19.xml><?xml version="1.0" encoding="utf-8"?>
 <p:sld xmlns:a="http://schemas.openxmlformats.org/drawingml/2006/main" xmlns:r="http://schemas.openxmlformats.org/officeDocument/2006/relationships" xmlns:p="http://schemas.openxmlformats.org/presentationml/2006/main">
   <p:cSld>
+    <p:bg>
+      <p:bgPr>
+        <a:solidFill>
+          <a:schemeClr val="bg1"/>
+        </a:solidFill>
+        <a:effectLst/>
+      </p:bgPr>
+    </p:bg>
     <p:spTree>
       <p:nvGrpSpPr>
         <p:cNvPr id="1" name=""/>
@@ -17339,10 +17367,136 @@
       </p:grpSpPr>
       <p:sp>
         <p:nvSpPr>
+          <p:cNvPr id="31" name="Rectangle 30">
+            <a:extLst>
+              <a:ext uri="{FF2B5EF4-FFF2-40B4-BE49-F238E27FC236}">
+                <a16:creationId xmlns:a16="http://schemas.microsoft.com/office/drawing/2014/main" id="{6753252F-4873-4F63-801D-CC719279A7D5}"/>
+              </a:ext>
+              <a:ext uri="{C183D7F6-B498-43B3-948B-1728B52AA6E4}">
+                <adec:decorative xmlns:adec="http://schemas.microsoft.com/office/drawing/2017/decorative" val="1"/>
+              </a:ext>
+            </a:extLst>
+          </p:cNvPr>
+          <p:cNvSpPr>
+            <a:spLocks noGrp="1" noRot="1" noChangeAspect="1" noMove="1" noResize="1" noEditPoints="1" noAdjustHandles="1" noChangeArrowheads="1" noChangeShapeType="1" noTextEdit="1"/>
+          </p:cNvSpPr>
+          <p:nvPr>
+            <p:extLst>
+              <p:ext uri="{386F3935-93C4-4BCD-93E2-E3B085C9AB24}">
+                <p16:designElem xmlns:p16="http://schemas.microsoft.com/office/powerpoint/2015/main" val="1"/>
+              </p:ext>
+            </p:extLst>
+          </p:nvPr>
+        </p:nvSpPr>
+        <p:spPr>
+          <a:xfrm>
+            <a:off x="0" y="0"/>
+            <a:ext cx="12192000" cy="6858000"/>
+          </a:xfrm>
+          <a:prstGeom prst="rect">
+            <a:avLst/>
+          </a:prstGeom>
+          <a:solidFill>
+            <a:srgbClr val="FFFFFF"/>
+          </a:solidFill>
+          <a:ln>
+            <a:noFill/>
+          </a:ln>
+        </p:spPr>
+        <p:style>
+          <a:lnRef idx="2">
+            <a:schemeClr val="accent1">
+              <a:shade val="50000"/>
+            </a:schemeClr>
+          </a:lnRef>
+          <a:fillRef idx="1">
+            <a:schemeClr val="accent1"/>
+          </a:fillRef>
+          <a:effectRef idx="0">
+            <a:schemeClr val="accent1"/>
+          </a:effectRef>
+          <a:fontRef idx="minor">
+            <a:schemeClr val="lt1"/>
+          </a:fontRef>
+        </p:style>
+        <p:txBody>
+          <a:bodyPr rtlCol="0" anchor="ctr"/>
+          <a:lstStyle/>
+          <a:p>
+            <a:pPr algn="ctr"/>
+            <a:endParaRPr lang="en-US"/>
+          </a:p>
+        </p:txBody>
+      </p:sp>
+      <p:sp>
+        <p:nvSpPr>
+          <p:cNvPr id="33" name="Rectangle 32">
+            <a:extLst>
+              <a:ext uri="{FF2B5EF4-FFF2-40B4-BE49-F238E27FC236}">
+                <a16:creationId xmlns:a16="http://schemas.microsoft.com/office/drawing/2014/main" id="{047C8CCB-F95D-4249-92DD-651249D3535A}"/>
+              </a:ext>
+              <a:ext uri="{C183D7F6-B498-43B3-948B-1728B52AA6E4}">
+                <adec:decorative xmlns:adec="http://schemas.microsoft.com/office/drawing/2017/decorative" val="1"/>
+              </a:ext>
+            </a:extLst>
+          </p:cNvPr>
+          <p:cNvSpPr>
+            <a:spLocks noGrp="1" noRot="1" noChangeAspect="1" noMove="1" noResize="1" noEditPoints="1" noAdjustHandles="1" noChangeArrowheads="1" noChangeShapeType="1" noTextEdit="1"/>
+          </p:cNvSpPr>
+          <p:nvPr>
+            <p:extLst>
+              <p:ext uri="{386F3935-93C4-4BCD-93E2-E3B085C9AB24}">
+                <p16:designElem xmlns:p16="http://schemas.microsoft.com/office/powerpoint/2015/main" val="1"/>
+              </p:ext>
+            </p:extLst>
+          </p:nvPr>
+        </p:nvSpPr>
+        <p:spPr>
+          <a:xfrm>
+            <a:off x="0" y="0"/>
+            <a:ext cx="2013557" cy="6858000"/>
+          </a:xfrm>
+          <a:prstGeom prst="rect">
+            <a:avLst/>
+          </a:prstGeom>
+          <a:solidFill>
+            <a:srgbClr val="7F7F7F"/>
+          </a:solidFill>
+          <a:ln>
+            <a:noFill/>
+          </a:ln>
+        </p:spPr>
+        <p:style>
+          <a:lnRef idx="2">
+            <a:schemeClr val="accent1">
+              <a:shade val="50000"/>
+            </a:schemeClr>
+          </a:lnRef>
+          <a:fillRef idx="1">
+            <a:schemeClr val="accent1"/>
+          </a:fillRef>
+          <a:effectRef idx="0">
+            <a:schemeClr val="accent1"/>
+          </a:effectRef>
+          <a:fontRef idx="minor">
+            <a:schemeClr val="lt1"/>
+          </a:fontRef>
+        </p:style>
+        <p:txBody>
+          <a:bodyPr rtlCol="0" anchor="ctr"/>
+          <a:lstStyle/>
+          <a:p>
+            <a:pPr algn="ctr"/>
+            <a:endParaRPr lang="en-US"/>
+          </a:p>
+        </p:txBody>
+      </p:sp>
+      <p:sp>
+        <p:nvSpPr>
           <p:cNvPr id="2" name="Title 1">
             <a:extLst>
               <a:ext uri="{FF2B5EF4-FFF2-40B4-BE49-F238E27FC236}">
-                <a16:creationId xmlns:a16="http://schemas.microsoft.com/office/drawing/2014/main" id="{38449F6B-4C7F-2642-BC23-0DF98EEDC705}"/>
+                <a16:creationId xmlns:a16="http://schemas.microsoft.com/office/drawing/2014/main" id="{FC47B41E-90B5-D14B-82FA-CC03960D78D5}"/>
               </a:ext>
             </a:extLst>
           </p:cNvPr>
@@ -17353,47 +17507,1401 @@
             <p:ph type="title"/>
           </p:nvPr>
         </p:nvSpPr>
-        <p:spPr/>
+        <p:spPr>
+          <a:xfrm>
+            <a:off x="640080" y="2074363"/>
+            <a:ext cx="2752354" cy="2709275"/>
+          </a:xfrm>
+          <a:prstGeom prst="ellipse">
+            <a:avLst/>
+          </a:prstGeom>
+          <a:solidFill>
+            <a:srgbClr val="262626"/>
+          </a:solidFill>
+          <a:ln w="174625" cmpd="thinThick">
+            <a:solidFill>
+              <a:srgbClr val="262626"/>
+            </a:solidFill>
+          </a:ln>
+        </p:spPr>
         <p:txBody>
-          <a:bodyPr/>
+          <a:bodyPr vert="horz" lIns="91440" tIns="45720" rIns="91440" bIns="45720" rtlCol="0" anchor="ctr">
+            <a:normAutofit/>
+          </a:bodyPr>
           <a:lstStyle/>
           <a:p>
+            <a:pPr algn="ctr"/>
             <a:r>
-              <a:rPr lang="en-US" dirty="0"/>
-              <a:t>TODO</a:t>
+              <a:rPr lang="en-US" sz="2600" kern="1200">
+                <a:solidFill>
+                  <a:srgbClr val="FFFFFF"/>
+                </a:solidFill>
+                <a:latin typeface="+mj-lt"/>
+                <a:ea typeface="+mj-ea"/>
+                <a:cs typeface="+mj-cs"/>
+              </a:rPr>
+              <a:t>Resistance Ranges</a:t>
             </a:r>
           </a:p>
         </p:txBody>
       </p:sp>
-      <p:sp>
-        <p:nvSpPr>
-          <p:cNvPr id="3" name="Text Placeholder 2">
+      <p:graphicFrame>
+        <p:nvGraphicFramePr>
+          <p:cNvPr id="16" name="Content Placeholder 3">
             <a:extLst>
               <a:ext uri="{FF2B5EF4-FFF2-40B4-BE49-F238E27FC236}">
-                <a16:creationId xmlns:a16="http://schemas.microsoft.com/office/drawing/2014/main" id="{64C72D82-A00F-D041-BFD2-3D368D10F4C7}"/>
+                <a16:creationId xmlns:a16="http://schemas.microsoft.com/office/drawing/2014/main" id="{6DFCCF45-5481-BF4A-8082-752758907726}"/>
               </a:ext>
             </a:extLst>
           </p:cNvPr>
-          <p:cNvSpPr>
-            <a:spLocks noGrp="1"/>
-          </p:cNvSpPr>
+          <p:cNvGraphicFramePr>
+            <a:graphicFrameLocks/>
+          </p:cNvGraphicFramePr>
           <p:nvPr>
-            <p:ph type="body" idx="1"/>
+            <p:extLst>
+              <p:ext uri="{D42A27DB-BD31-4B8C-83A1-F6EECF244321}">
+                <p14:modId xmlns:p14="http://schemas.microsoft.com/office/powerpoint/2010/main" val="3229520562"/>
+              </p:ext>
+            </p:extLst>
           </p:nvPr>
-        </p:nvSpPr>
-        <p:spPr/>
-        <p:txBody>
-          <a:bodyPr/>
-          <a:lstStyle/>
-          <a:p>
-            <a:endParaRPr lang="en-US"/>
-          </a:p>
-        </p:txBody>
-      </p:sp>
+        </p:nvGraphicFramePr>
+        <p:xfrm>
+          <a:off x="4038600" y="1127475"/>
+          <a:ext cx="7188202" cy="4599663"/>
+        </p:xfrm>
+        <a:graphic>
+          <a:graphicData uri="http://schemas.openxmlformats.org/drawingml/2006/table">
+            <a:tbl>
+              <a:tblPr firstRow="1" bandRow="1">
+                <a:tableStyleId>{8EC20E35-A176-4012-BC5E-935CFFF8708E}</a:tableStyleId>
+              </a:tblPr>
+              <a:tblGrid>
+                <a:gridCol w="1461518">
+                  <a:extLst>
+                    <a:ext uri="{9D8B030D-6E8A-4147-A177-3AD203B41FA5}">
+                      <a16:colId xmlns:a16="http://schemas.microsoft.com/office/drawing/2014/main" val="1960723173"/>
+                    </a:ext>
+                  </a:extLst>
+                </a:gridCol>
+                <a:gridCol w="1288669">
+                  <a:extLst>
+                    <a:ext uri="{9D8B030D-6E8A-4147-A177-3AD203B41FA5}">
+                      <a16:colId xmlns:a16="http://schemas.microsoft.com/office/drawing/2014/main" val="3542743656"/>
+                    </a:ext>
+                  </a:extLst>
+                </a:gridCol>
+                <a:gridCol w="1345692">
+                  <a:extLst>
+                    <a:ext uri="{9D8B030D-6E8A-4147-A177-3AD203B41FA5}">
+                      <a16:colId xmlns:a16="http://schemas.microsoft.com/office/drawing/2014/main" val="129346160"/>
+                    </a:ext>
+                  </a:extLst>
+                </a:gridCol>
+                <a:gridCol w="1498940">
+                  <a:extLst>
+                    <a:ext uri="{9D8B030D-6E8A-4147-A177-3AD203B41FA5}">
+                      <a16:colId xmlns:a16="http://schemas.microsoft.com/office/drawing/2014/main" val="2023039964"/>
+                    </a:ext>
+                  </a:extLst>
+                </a:gridCol>
+                <a:gridCol w="1593383">
+                  <a:extLst>
+                    <a:ext uri="{9D8B030D-6E8A-4147-A177-3AD203B41FA5}">
+                      <a16:colId xmlns:a16="http://schemas.microsoft.com/office/drawing/2014/main" val="2192817691"/>
+                    </a:ext>
+                  </a:extLst>
+                </a:gridCol>
+              </a:tblGrid>
+              <a:tr h="591483">
+                <a:tc>
+                  <a:txBody>
+                    <a:bodyPr/>
+                    <a:lstStyle/>
+                    <a:p>
+                      <a:endParaRPr lang="en-US" sz="2700"/>
+                    </a:p>
+                  </a:txBody>
+                  <a:tcPr marL="139863" marR="139863" marT="69932" marB="69932">
+                    <a:lnL w="12700" cap="flat" cmpd="sng" algn="ctr">
+                      <a:solidFill>
+                        <a:schemeClr val="tx1"/>
+                      </a:solidFill>
+                      <a:prstDash val="solid"/>
+                      <a:round/>
+                      <a:headEnd type="none" w="med" len="med"/>
+                      <a:tailEnd type="none" w="med" len="med"/>
+                    </a:lnL>
+                    <a:lnR w="12700" cap="flat" cmpd="sng" algn="ctr">
+                      <a:solidFill>
+                        <a:schemeClr val="tx1"/>
+                      </a:solidFill>
+                      <a:prstDash val="solid"/>
+                      <a:round/>
+                      <a:headEnd type="none" w="med" len="med"/>
+                      <a:tailEnd type="none" w="med" len="med"/>
+                    </a:lnR>
+                    <a:lnT w="12700" cap="flat" cmpd="sng" algn="ctr">
+                      <a:solidFill>
+                        <a:schemeClr val="tx1"/>
+                      </a:solidFill>
+                      <a:prstDash val="solid"/>
+                      <a:round/>
+                      <a:headEnd type="none" w="med" len="med"/>
+                      <a:tailEnd type="none" w="med" len="med"/>
+                    </a:lnT>
+                    <a:lnB w="12700" cap="flat" cmpd="sng" algn="ctr">
+                      <a:solidFill>
+                        <a:schemeClr val="tx1"/>
+                      </a:solidFill>
+                      <a:prstDash val="solid"/>
+                      <a:round/>
+                      <a:headEnd type="none" w="med" len="med"/>
+                      <a:tailEnd type="none" w="med" len="med"/>
+                    </a:lnB>
+                  </a:tcPr>
+                </a:tc>
+                <a:tc>
+                  <a:txBody>
+                    <a:bodyPr/>
+                    <a:lstStyle/>
+                    <a:p>
+                      <a:r>
+                        <a:rPr lang="en-US" sz="2700"/>
+                        <a:t>Rmin</a:t>
+                      </a:r>
+                    </a:p>
+                  </a:txBody>
+                  <a:tcPr marL="139863" marR="139863" marT="69932" marB="69932">
+                    <a:lnL w="12700" cap="flat" cmpd="sng" algn="ctr">
+                      <a:solidFill>
+                        <a:schemeClr val="tx1"/>
+                      </a:solidFill>
+                      <a:prstDash val="solid"/>
+                      <a:round/>
+                      <a:headEnd type="none" w="med" len="med"/>
+                      <a:tailEnd type="none" w="med" len="med"/>
+                    </a:lnL>
+                    <a:lnR w="12700" cap="flat" cmpd="sng" algn="ctr">
+                      <a:solidFill>
+                        <a:schemeClr val="tx1"/>
+                      </a:solidFill>
+                      <a:prstDash val="solid"/>
+                      <a:round/>
+                      <a:headEnd type="none" w="med" len="med"/>
+                      <a:tailEnd type="none" w="med" len="med"/>
+                    </a:lnR>
+                    <a:lnT w="12700" cap="flat" cmpd="sng" algn="ctr">
+                      <a:solidFill>
+                        <a:schemeClr val="tx1"/>
+                      </a:solidFill>
+                      <a:prstDash val="solid"/>
+                      <a:round/>
+                      <a:headEnd type="none" w="med" len="med"/>
+                      <a:tailEnd type="none" w="med" len="med"/>
+                    </a:lnT>
+                    <a:lnB w="12700" cap="flat" cmpd="sng" algn="ctr">
+                      <a:solidFill>
+                        <a:schemeClr val="tx1"/>
+                      </a:solidFill>
+                      <a:prstDash val="solid"/>
+                      <a:round/>
+                      <a:headEnd type="none" w="med" len="med"/>
+                      <a:tailEnd type="none" w="med" len="med"/>
+                    </a:lnB>
+                  </a:tcPr>
+                </a:tc>
+                <a:tc>
+                  <a:txBody>
+                    <a:bodyPr/>
+                    <a:lstStyle/>
+                    <a:p>
+                      <a:r>
+                        <a:rPr lang="en-US" sz="2700"/>
+                        <a:t>Rmax</a:t>
+                      </a:r>
+                    </a:p>
+                  </a:txBody>
+                  <a:tcPr marL="139863" marR="139863" marT="69932" marB="69932">
+                    <a:lnL w="12700" cap="flat" cmpd="sng" algn="ctr">
+                      <a:solidFill>
+                        <a:schemeClr val="tx1"/>
+                      </a:solidFill>
+                      <a:prstDash val="solid"/>
+                      <a:round/>
+                      <a:headEnd type="none" w="med" len="med"/>
+                      <a:tailEnd type="none" w="med" len="med"/>
+                    </a:lnL>
+                    <a:lnR w="12700" cap="flat" cmpd="sng" algn="ctr">
+                      <a:solidFill>
+                        <a:schemeClr val="tx1"/>
+                      </a:solidFill>
+                      <a:prstDash val="solid"/>
+                      <a:round/>
+                      <a:headEnd type="none" w="med" len="med"/>
+                      <a:tailEnd type="none" w="med" len="med"/>
+                    </a:lnR>
+                    <a:lnT w="12700" cap="flat" cmpd="sng" algn="ctr">
+                      <a:solidFill>
+                        <a:schemeClr val="tx1"/>
+                      </a:solidFill>
+                      <a:prstDash val="solid"/>
+                      <a:round/>
+                      <a:headEnd type="none" w="med" len="med"/>
+                      <a:tailEnd type="none" w="med" len="med"/>
+                    </a:lnT>
+                    <a:lnB w="12700" cap="flat" cmpd="sng" algn="ctr">
+                      <a:solidFill>
+                        <a:schemeClr val="tx1"/>
+                      </a:solidFill>
+                      <a:prstDash val="solid"/>
+                      <a:round/>
+                      <a:headEnd type="none" w="med" len="med"/>
+                      <a:tailEnd type="none" w="med" len="med"/>
+                    </a:lnB>
+                  </a:tcPr>
+                </a:tc>
+                <a:tc>
+                  <a:txBody>
+                    <a:bodyPr/>
+                    <a:lstStyle/>
+                    <a:p>
+                      <a:r>
+                        <a:rPr lang="en-US" sz="2700"/>
+                        <a:t>Rwmin</a:t>
+                      </a:r>
+                    </a:p>
+                  </a:txBody>
+                  <a:tcPr marL="139863" marR="139863" marT="69932" marB="69932">
+                    <a:lnL w="12700" cap="flat" cmpd="sng" algn="ctr">
+                      <a:solidFill>
+                        <a:schemeClr val="tx1"/>
+                      </a:solidFill>
+                      <a:prstDash val="solid"/>
+                      <a:round/>
+                      <a:headEnd type="none" w="med" len="med"/>
+                      <a:tailEnd type="none" w="med" len="med"/>
+                    </a:lnL>
+                    <a:lnR w="12700" cap="flat" cmpd="sng" algn="ctr">
+                      <a:solidFill>
+                        <a:schemeClr val="tx1"/>
+                      </a:solidFill>
+                      <a:prstDash val="solid"/>
+                      <a:round/>
+                      <a:headEnd type="none" w="med" len="med"/>
+                      <a:tailEnd type="none" w="med" len="med"/>
+                    </a:lnR>
+                    <a:lnT w="12700" cap="flat" cmpd="sng" algn="ctr">
+                      <a:solidFill>
+                        <a:schemeClr val="tx1"/>
+                      </a:solidFill>
+                      <a:prstDash val="solid"/>
+                      <a:round/>
+                      <a:headEnd type="none" w="med" len="med"/>
+                      <a:tailEnd type="none" w="med" len="med"/>
+                    </a:lnT>
+                    <a:lnB w="12700" cap="flat" cmpd="sng" algn="ctr">
+                      <a:solidFill>
+                        <a:schemeClr val="tx1"/>
+                      </a:solidFill>
+                      <a:prstDash val="solid"/>
+                      <a:round/>
+                      <a:headEnd type="none" w="med" len="med"/>
+                      <a:tailEnd type="none" w="med" len="med"/>
+                    </a:lnB>
+                  </a:tcPr>
+                </a:tc>
+                <a:tc>
+                  <a:txBody>
+                    <a:bodyPr/>
+                    <a:lstStyle/>
+                    <a:p>
+                      <a:r>
+                        <a:rPr lang="en-US" sz="2700"/>
+                        <a:t>Rwmax</a:t>
+                      </a:r>
+                    </a:p>
+                  </a:txBody>
+                  <a:tcPr marL="139863" marR="139863" marT="69932" marB="69932">
+                    <a:lnL w="12700" cap="flat" cmpd="sng" algn="ctr">
+                      <a:solidFill>
+                        <a:schemeClr val="tx1"/>
+                      </a:solidFill>
+                      <a:prstDash val="solid"/>
+                      <a:round/>
+                      <a:headEnd type="none" w="med" len="med"/>
+                      <a:tailEnd type="none" w="med" len="med"/>
+                    </a:lnL>
+                    <a:lnR w="12700" cap="flat" cmpd="sng" algn="ctr">
+                      <a:solidFill>
+                        <a:schemeClr val="tx1"/>
+                      </a:solidFill>
+                      <a:prstDash val="solid"/>
+                      <a:round/>
+                      <a:headEnd type="none" w="med" len="med"/>
+                      <a:tailEnd type="none" w="med" len="med"/>
+                    </a:lnR>
+                    <a:lnT w="12700" cap="flat" cmpd="sng" algn="ctr">
+                      <a:solidFill>
+                        <a:schemeClr val="tx1"/>
+                      </a:solidFill>
+                      <a:prstDash val="solid"/>
+                      <a:round/>
+                      <a:headEnd type="none" w="med" len="med"/>
+                      <a:tailEnd type="none" w="med" len="med"/>
+                    </a:lnT>
+                    <a:lnB w="12700" cap="flat" cmpd="sng" algn="ctr">
+                      <a:solidFill>
+                        <a:schemeClr val="tx1"/>
+                      </a:solidFill>
+                      <a:prstDash val="solid"/>
+                      <a:round/>
+                      <a:headEnd type="none" w="med" len="med"/>
+                      <a:tailEnd type="none" w="med" len="med"/>
+                    </a:lnB>
+                  </a:tcPr>
+                </a:tc>
+                <a:extLst>
+                  <a:ext uri="{0D108BD9-81ED-4DB2-BD59-A6C34878D82A}">
+                    <a16:rowId xmlns:a16="http://schemas.microsoft.com/office/drawing/2014/main" val="2303816687"/>
+                  </a:ext>
+                </a:extLst>
+              </a:tr>
+              <a:tr h="1002045">
+                <a:tc>
+                  <a:txBody>
+                    <a:bodyPr/>
+                    <a:lstStyle/>
+                    <a:p>
+                      <a:r>
+                        <a:rPr lang="en-US" sz="2700"/>
+                        <a:t>Range 0</a:t>
+                      </a:r>
+                    </a:p>
+                  </a:txBody>
+                  <a:tcPr marL="139863" marR="139863" marT="69932" marB="69932">
+                    <a:lnL w="12700" cap="flat" cmpd="sng" algn="ctr">
+                      <a:solidFill>
+                        <a:schemeClr val="tx1"/>
+                      </a:solidFill>
+                      <a:prstDash val="solid"/>
+                      <a:round/>
+                      <a:headEnd type="none" w="med" len="med"/>
+                      <a:tailEnd type="none" w="med" len="med"/>
+                    </a:lnL>
+                    <a:lnR w="12700" cap="flat" cmpd="sng" algn="ctr">
+                      <a:solidFill>
+                        <a:schemeClr val="tx1"/>
+                      </a:solidFill>
+                      <a:prstDash val="solid"/>
+                      <a:round/>
+                      <a:headEnd type="none" w="med" len="med"/>
+                      <a:tailEnd type="none" w="med" len="med"/>
+                    </a:lnR>
+                    <a:lnT w="12700" cap="flat" cmpd="sng" algn="ctr">
+                      <a:solidFill>
+                        <a:schemeClr val="tx1"/>
+                      </a:solidFill>
+                      <a:prstDash val="solid"/>
+                      <a:round/>
+                      <a:headEnd type="none" w="med" len="med"/>
+                      <a:tailEnd type="none" w="med" len="med"/>
+                    </a:lnT>
+                    <a:lnB w="12700" cap="flat" cmpd="sng" algn="ctr">
+                      <a:solidFill>
+                        <a:schemeClr val="tx1"/>
+                      </a:solidFill>
+                      <a:prstDash val="solid"/>
+                      <a:round/>
+                      <a:headEnd type="none" w="med" len="med"/>
+                      <a:tailEnd type="none" w="med" len="med"/>
+                    </a:lnB>
+                  </a:tcPr>
+                </a:tc>
+                <a:tc>
+                  <a:txBody>
+                    <a:bodyPr/>
+                    <a:lstStyle/>
+                    <a:p>
+                      <a:r>
+                        <a:rPr lang="en-US" sz="2700"/>
+                        <a:t>N/A</a:t>
+                      </a:r>
+                    </a:p>
+                  </a:txBody>
+                  <a:tcPr marL="139863" marR="139863" marT="69932" marB="69932">
+                    <a:lnL w="12700" cap="flat" cmpd="sng" algn="ctr">
+                      <a:solidFill>
+                        <a:schemeClr val="tx1"/>
+                      </a:solidFill>
+                      <a:prstDash val="solid"/>
+                      <a:round/>
+                      <a:headEnd type="none" w="med" len="med"/>
+                      <a:tailEnd type="none" w="med" len="med"/>
+                    </a:lnL>
+                    <a:lnR w="12700" cap="flat" cmpd="sng" algn="ctr">
+                      <a:solidFill>
+                        <a:schemeClr val="tx1"/>
+                      </a:solidFill>
+                      <a:prstDash val="solid"/>
+                      <a:round/>
+                      <a:headEnd type="none" w="med" len="med"/>
+                      <a:tailEnd type="none" w="med" len="med"/>
+                    </a:lnR>
+                    <a:lnT w="12700" cap="flat" cmpd="sng" algn="ctr">
+                      <a:solidFill>
+                        <a:schemeClr val="tx1"/>
+                      </a:solidFill>
+                      <a:prstDash val="solid"/>
+                      <a:round/>
+                      <a:headEnd type="none" w="med" len="med"/>
+                      <a:tailEnd type="none" w="med" len="med"/>
+                    </a:lnT>
+                    <a:lnB w="12700" cap="flat" cmpd="sng" algn="ctr">
+                      <a:solidFill>
+                        <a:schemeClr val="tx1"/>
+                      </a:solidFill>
+                      <a:prstDash val="solid"/>
+                      <a:round/>
+                      <a:headEnd type="none" w="med" len="med"/>
+                      <a:tailEnd type="none" w="med" len="med"/>
+                    </a:lnB>
+                  </a:tcPr>
+                </a:tc>
+                <a:tc>
+                  <a:txBody>
+                    <a:bodyPr/>
+                    <a:lstStyle/>
+                    <a:p>
+                      <a:r>
+                        <a:rPr lang="en-US" sz="2700"/>
+                        <a:t>5.10k</a:t>
+                      </a:r>
+                    </a:p>
+                  </a:txBody>
+                  <a:tcPr marL="139863" marR="139863" marT="69932" marB="69932">
+                    <a:lnL w="12700" cap="flat" cmpd="sng" algn="ctr">
+                      <a:solidFill>
+                        <a:schemeClr val="tx1"/>
+                      </a:solidFill>
+                      <a:prstDash val="solid"/>
+                      <a:round/>
+                      <a:headEnd type="none" w="med" len="med"/>
+                      <a:tailEnd type="none" w="med" len="med"/>
+                    </a:lnL>
+                    <a:lnR w="12700" cap="flat" cmpd="sng" algn="ctr">
+                      <a:solidFill>
+                        <a:schemeClr val="tx1"/>
+                      </a:solidFill>
+                      <a:prstDash val="solid"/>
+                      <a:round/>
+                      <a:headEnd type="none" w="med" len="med"/>
+                      <a:tailEnd type="none" w="med" len="med"/>
+                    </a:lnR>
+                    <a:lnT w="12700" cap="flat" cmpd="sng" algn="ctr">
+                      <a:solidFill>
+                        <a:schemeClr val="tx1"/>
+                      </a:solidFill>
+                      <a:prstDash val="solid"/>
+                      <a:round/>
+                      <a:headEnd type="none" w="med" len="med"/>
+                      <a:tailEnd type="none" w="med" len="med"/>
+                    </a:lnT>
+                    <a:lnB w="12700" cap="flat" cmpd="sng" algn="ctr">
+                      <a:solidFill>
+                        <a:schemeClr val="tx1"/>
+                      </a:solidFill>
+                      <a:prstDash val="solid"/>
+                      <a:round/>
+                      <a:headEnd type="none" w="med" len="med"/>
+                      <a:tailEnd type="none" w="med" len="med"/>
+                    </a:lnB>
+                  </a:tcPr>
+                </a:tc>
+                <a:tc>
+                  <a:txBody>
+                    <a:bodyPr/>
+                    <a:lstStyle/>
+                    <a:p>
+                      <a:r>
+                        <a:rPr lang="en-US" sz="2700"/>
+                        <a:t>N/A</a:t>
+                      </a:r>
+                    </a:p>
+                  </a:txBody>
+                  <a:tcPr marL="139863" marR="139863" marT="69932" marB="69932">
+                    <a:lnL w="12700" cap="flat" cmpd="sng" algn="ctr">
+                      <a:solidFill>
+                        <a:schemeClr val="tx1"/>
+                      </a:solidFill>
+                      <a:prstDash val="solid"/>
+                      <a:round/>
+                      <a:headEnd type="none" w="med" len="med"/>
+                      <a:tailEnd type="none" w="med" len="med"/>
+                    </a:lnL>
+                    <a:lnR w="12700" cap="flat" cmpd="sng" algn="ctr">
+                      <a:solidFill>
+                        <a:schemeClr val="tx1"/>
+                      </a:solidFill>
+                      <a:prstDash val="solid"/>
+                      <a:round/>
+                      <a:headEnd type="none" w="med" len="med"/>
+                      <a:tailEnd type="none" w="med" len="med"/>
+                    </a:lnR>
+                    <a:lnT w="12700" cap="flat" cmpd="sng" algn="ctr">
+                      <a:solidFill>
+                        <a:schemeClr val="tx1"/>
+                      </a:solidFill>
+                      <a:prstDash val="solid"/>
+                      <a:round/>
+                      <a:headEnd type="none" w="med" len="med"/>
+                      <a:tailEnd type="none" w="med" len="med"/>
+                    </a:lnT>
+                    <a:lnB w="12700" cap="flat" cmpd="sng" algn="ctr">
+                      <a:solidFill>
+                        <a:schemeClr val="tx1"/>
+                      </a:solidFill>
+                      <a:prstDash val="solid"/>
+                      <a:round/>
+                      <a:headEnd type="none" w="med" len="med"/>
+                      <a:tailEnd type="none" w="med" len="med"/>
+                    </a:lnB>
+                  </a:tcPr>
+                </a:tc>
+                <a:tc>
+                  <a:txBody>
+                    <a:bodyPr/>
+                    <a:lstStyle/>
+                    <a:p>
+                      <a:r>
+                        <a:rPr lang="en-US" sz="2700"/>
+                        <a:t>5.00k</a:t>
+                      </a:r>
+                    </a:p>
+                  </a:txBody>
+                  <a:tcPr marL="139863" marR="139863" marT="69932" marB="69932">
+                    <a:lnL w="12700" cap="flat" cmpd="sng" algn="ctr">
+                      <a:solidFill>
+                        <a:schemeClr val="tx1"/>
+                      </a:solidFill>
+                      <a:prstDash val="solid"/>
+                      <a:round/>
+                      <a:headEnd type="none" w="med" len="med"/>
+                      <a:tailEnd type="none" w="med" len="med"/>
+                    </a:lnL>
+                    <a:lnR w="12700" cap="flat" cmpd="sng" algn="ctr">
+                      <a:solidFill>
+                        <a:schemeClr val="tx1"/>
+                      </a:solidFill>
+                      <a:prstDash val="solid"/>
+                      <a:round/>
+                      <a:headEnd type="none" w="med" len="med"/>
+                      <a:tailEnd type="none" w="med" len="med"/>
+                    </a:lnR>
+                    <a:lnT w="12700" cap="flat" cmpd="sng" algn="ctr">
+                      <a:solidFill>
+                        <a:schemeClr val="tx1"/>
+                      </a:solidFill>
+                      <a:prstDash val="solid"/>
+                      <a:round/>
+                      <a:headEnd type="none" w="med" len="med"/>
+                      <a:tailEnd type="none" w="med" len="med"/>
+                    </a:lnT>
+                    <a:lnB w="12700" cap="flat" cmpd="sng" algn="ctr">
+                      <a:solidFill>
+                        <a:schemeClr val="tx1"/>
+                      </a:solidFill>
+                      <a:prstDash val="solid"/>
+                      <a:round/>
+                      <a:headEnd type="none" w="med" len="med"/>
+                      <a:tailEnd type="none" w="med" len="med"/>
+                    </a:lnB>
+                  </a:tcPr>
+                </a:tc>
+                <a:extLst>
+                  <a:ext uri="{0D108BD9-81ED-4DB2-BD59-A6C34878D82A}">
+                    <a16:rowId xmlns:a16="http://schemas.microsoft.com/office/drawing/2014/main" val="313025389"/>
+                  </a:ext>
+                </a:extLst>
+              </a:tr>
+              <a:tr h="1002045">
+                <a:tc>
+                  <a:txBody>
+                    <a:bodyPr/>
+                    <a:lstStyle/>
+                    <a:p>
+                      <a:r>
+                        <a:rPr lang="en-US" sz="2700"/>
+                        <a:t>Range 1</a:t>
+                      </a:r>
+                    </a:p>
+                  </a:txBody>
+                  <a:tcPr marL="139863" marR="139863" marT="69932" marB="69932">
+                    <a:lnL w="12700" cap="flat" cmpd="sng" algn="ctr">
+                      <a:solidFill>
+                        <a:schemeClr val="tx1"/>
+                      </a:solidFill>
+                      <a:prstDash val="solid"/>
+                      <a:round/>
+                      <a:headEnd type="none" w="med" len="med"/>
+                      <a:tailEnd type="none" w="med" len="med"/>
+                    </a:lnL>
+                    <a:lnR w="12700" cap="flat" cmpd="sng" algn="ctr">
+                      <a:solidFill>
+                        <a:schemeClr val="tx1"/>
+                      </a:solidFill>
+                      <a:prstDash val="solid"/>
+                      <a:round/>
+                      <a:headEnd type="none" w="med" len="med"/>
+                      <a:tailEnd type="none" w="med" len="med"/>
+                    </a:lnR>
+                    <a:lnT w="12700" cap="flat" cmpd="sng" algn="ctr">
+                      <a:solidFill>
+                        <a:schemeClr val="tx1"/>
+                      </a:solidFill>
+                      <a:prstDash val="solid"/>
+                      <a:round/>
+                      <a:headEnd type="none" w="med" len="med"/>
+                      <a:tailEnd type="none" w="med" len="med"/>
+                    </a:lnT>
+                    <a:lnB w="12700" cap="flat" cmpd="sng" algn="ctr">
+                      <a:solidFill>
+                        <a:schemeClr val="tx1"/>
+                      </a:solidFill>
+                      <a:prstDash val="solid"/>
+                      <a:round/>
+                      <a:headEnd type="none" w="med" len="med"/>
+                      <a:tailEnd type="none" w="med" len="med"/>
+                    </a:lnB>
+                  </a:tcPr>
+                </a:tc>
+                <a:tc>
+                  <a:txBody>
+                    <a:bodyPr/>
+                    <a:lstStyle/>
+                    <a:p>
+                      <a:r>
+                        <a:rPr lang="en-US" sz="2700" dirty="0"/>
+                        <a:t>5.38k</a:t>
+                      </a:r>
+                    </a:p>
+                  </a:txBody>
+                  <a:tcPr marL="139863" marR="139863" marT="69932" marB="69932">
+                    <a:lnL w="12700" cap="flat" cmpd="sng" algn="ctr">
+                      <a:solidFill>
+                        <a:schemeClr val="tx1"/>
+                      </a:solidFill>
+                      <a:prstDash val="solid"/>
+                      <a:round/>
+                      <a:headEnd type="none" w="med" len="med"/>
+                      <a:tailEnd type="none" w="med" len="med"/>
+                    </a:lnL>
+                    <a:lnR w="12700" cap="flat" cmpd="sng" algn="ctr">
+                      <a:solidFill>
+                        <a:schemeClr val="tx1"/>
+                      </a:solidFill>
+                      <a:prstDash val="solid"/>
+                      <a:round/>
+                      <a:headEnd type="none" w="med" len="med"/>
+                      <a:tailEnd type="none" w="med" len="med"/>
+                    </a:lnR>
+                    <a:lnT w="12700" cap="flat" cmpd="sng" algn="ctr">
+                      <a:solidFill>
+                        <a:schemeClr val="tx1"/>
+                      </a:solidFill>
+                      <a:prstDash val="solid"/>
+                      <a:round/>
+                      <a:headEnd type="none" w="med" len="med"/>
+                      <a:tailEnd type="none" w="med" len="med"/>
+                    </a:lnT>
+                    <a:lnB w="12700" cap="flat" cmpd="sng" algn="ctr">
+                      <a:solidFill>
+                        <a:schemeClr val="tx1"/>
+                      </a:solidFill>
+                      <a:prstDash val="solid"/>
+                      <a:round/>
+                      <a:headEnd type="none" w="med" len="med"/>
+                      <a:tailEnd type="none" w="med" len="med"/>
+                    </a:lnB>
+                  </a:tcPr>
+                </a:tc>
+                <a:tc>
+                  <a:txBody>
+                    <a:bodyPr/>
+                    <a:lstStyle/>
+                    <a:p>
+                      <a:r>
+                        <a:rPr lang="en-US" sz="2700" dirty="0"/>
+                        <a:t>6.48k</a:t>
+                      </a:r>
+                    </a:p>
+                  </a:txBody>
+                  <a:tcPr marL="139863" marR="139863" marT="69932" marB="69932">
+                    <a:lnL w="12700" cap="flat" cmpd="sng" algn="ctr">
+                      <a:solidFill>
+                        <a:schemeClr val="tx1"/>
+                      </a:solidFill>
+                      <a:prstDash val="solid"/>
+                      <a:round/>
+                      <a:headEnd type="none" w="med" len="med"/>
+                      <a:tailEnd type="none" w="med" len="med"/>
+                    </a:lnL>
+                    <a:lnR w="12700" cap="flat" cmpd="sng" algn="ctr">
+                      <a:solidFill>
+                        <a:schemeClr val="tx1"/>
+                      </a:solidFill>
+                      <a:prstDash val="solid"/>
+                      <a:round/>
+                      <a:headEnd type="none" w="med" len="med"/>
+                      <a:tailEnd type="none" w="med" len="med"/>
+                    </a:lnR>
+                    <a:lnT w="12700" cap="flat" cmpd="sng" algn="ctr">
+                      <a:solidFill>
+                        <a:schemeClr val="tx1"/>
+                      </a:solidFill>
+                      <a:prstDash val="solid"/>
+                      <a:round/>
+                      <a:headEnd type="none" w="med" len="med"/>
+                      <a:tailEnd type="none" w="med" len="med"/>
+                    </a:lnT>
+                    <a:lnB w="12700" cap="flat" cmpd="sng" algn="ctr">
+                      <a:solidFill>
+                        <a:schemeClr val="tx1"/>
+                      </a:solidFill>
+                      <a:prstDash val="solid"/>
+                      <a:round/>
+                      <a:headEnd type="none" w="med" len="med"/>
+                      <a:tailEnd type="none" w="med" len="med"/>
+                    </a:lnB>
+                  </a:tcPr>
+                </a:tc>
+                <a:tc>
+                  <a:txBody>
+                    <a:bodyPr/>
+                    <a:lstStyle/>
+                    <a:p>
+                      <a:r>
+                        <a:rPr lang="en-US" sz="2700" dirty="0"/>
+                        <a:t>5.77k</a:t>
+                      </a:r>
+                    </a:p>
+                  </a:txBody>
+                  <a:tcPr marL="139863" marR="139863" marT="69932" marB="69932">
+                    <a:lnL w="12700" cap="flat" cmpd="sng" algn="ctr">
+                      <a:solidFill>
+                        <a:schemeClr val="tx1"/>
+                      </a:solidFill>
+                      <a:prstDash val="solid"/>
+                      <a:round/>
+                      <a:headEnd type="none" w="med" len="med"/>
+                      <a:tailEnd type="none" w="med" len="med"/>
+                    </a:lnL>
+                    <a:lnR w="12700" cap="flat" cmpd="sng" algn="ctr">
+                      <a:solidFill>
+                        <a:schemeClr val="tx1"/>
+                      </a:solidFill>
+                      <a:prstDash val="solid"/>
+                      <a:round/>
+                      <a:headEnd type="none" w="med" len="med"/>
+                      <a:tailEnd type="none" w="med" len="med"/>
+                    </a:lnR>
+                    <a:lnT w="12700" cap="flat" cmpd="sng" algn="ctr">
+                      <a:solidFill>
+                        <a:schemeClr val="tx1"/>
+                      </a:solidFill>
+                      <a:prstDash val="solid"/>
+                      <a:round/>
+                      <a:headEnd type="none" w="med" len="med"/>
+                      <a:tailEnd type="none" w="med" len="med"/>
+                    </a:lnT>
+                    <a:lnB w="12700" cap="flat" cmpd="sng" algn="ctr">
+                      <a:solidFill>
+                        <a:schemeClr val="tx1"/>
+                      </a:solidFill>
+                      <a:prstDash val="solid"/>
+                      <a:round/>
+                      <a:headEnd type="none" w="med" len="med"/>
+                      <a:tailEnd type="none" w="med" len="med"/>
+                    </a:lnB>
+                  </a:tcPr>
+                </a:tc>
+                <a:tc>
+                  <a:txBody>
+                    <a:bodyPr/>
+                    <a:lstStyle/>
+                    <a:p>
+                      <a:r>
+                        <a:rPr lang="en-US" sz="2700" dirty="0"/>
+                        <a:t>6.01k</a:t>
+                      </a:r>
+                    </a:p>
+                  </a:txBody>
+                  <a:tcPr marL="139863" marR="139863" marT="69932" marB="69932">
+                    <a:lnL w="12700" cap="flat" cmpd="sng" algn="ctr">
+                      <a:solidFill>
+                        <a:schemeClr val="tx1"/>
+                      </a:solidFill>
+                      <a:prstDash val="solid"/>
+                      <a:round/>
+                      <a:headEnd type="none" w="med" len="med"/>
+                      <a:tailEnd type="none" w="med" len="med"/>
+                    </a:lnL>
+                    <a:lnR w="12700" cap="flat" cmpd="sng" algn="ctr">
+                      <a:solidFill>
+                        <a:schemeClr val="tx1"/>
+                      </a:solidFill>
+                      <a:prstDash val="solid"/>
+                      <a:round/>
+                      <a:headEnd type="none" w="med" len="med"/>
+                      <a:tailEnd type="none" w="med" len="med"/>
+                    </a:lnR>
+                    <a:lnT w="12700" cap="flat" cmpd="sng" algn="ctr">
+                      <a:solidFill>
+                        <a:schemeClr val="tx1"/>
+                      </a:solidFill>
+                      <a:prstDash val="solid"/>
+                      <a:round/>
+                      <a:headEnd type="none" w="med" len="med"/>
+                      <a:tailEnd type="none" w="med" len="med"/>
+                    </a:lnT>
+                    <a:lnB w="12700" cap="flat" cmpd="sng" algn="ctr">
+                      <a:solidFill>
+                        <a:schemeClr val="tx1"/>
+                      </a:solidFill>
+                      <a:prstDash val="solid"/>
+                      <a:round/>
+                      <a:headEnd type="none" w="med" len="med"/>
+                      <a:tailEnd type="none" w="med" len="med"/>
+                    </a:lnB>
+                  </a:tcPr>
+                </a:tc>
+                <a:extLst>
+                  <a:ext uri="{0D108BD9-81ED-4DB2-BD59-A6C34878D82A}">
+                    <a16:rowId xmlns:a16="http://schemas.microsoft.com/office/drawing/2014/main" val="1871411977"/>
+                  </a:ext>
+                </a:extLst>
+              </a:tr>
+              <a:tr h="1002045">
+                <a:tc>
+                  <a:txBody>
+                    <a:bodyPr/>
+                    <a:lstStyle/>
+                    <a:p>
+                      <a:r>
+                        <a:rPr lang="en-US" sz="2700"/>
+                        <a:t>Range 2</a:t>
+                      </a:r>
+                    </a:p>
+                  </a:txBody>
+                  <a:tcPr marL="139863" marR="139863" marT="69932" marB="69932">
+                    <a:lnL w="12700" cap="flat" cmpd="sng" algn="ctr">
+                      <a:solidFill>
+                        <a:schemeClr val="tx1"/>
+                      </a:solidFill>
+                      <a:prstDash val="solid"/>
+                      <a:round/>
+                      <a:headEnd type="none" w="med" len="med"/>
+                      <a:tailEnd type="none" w="med" len="med"/>
+                    </a:lnL>
+                    <a:lnR w="12700" cap="flat" cmpd="sng" algn="ctr">
+                      <a:solidFill>
+                        <a:schemeClr val="tx1"/>
+                      </a:solidFill>
+                      <a:prstDash val="solid"/>
+                      <a:round/>
+                      <a:headEnd type="none" w="med" len="med"/>
+                      <a:tailEnd type="none" w="med" len="med"/>
+                    </a:lnR>
+                    <a:lnT w="12700" cap="flat" cmpd="sng" algn="ctr">
+                      <a:solidFill>
+                        <a:schemeClr val="tx1"/>
+                      </a:solidFill>
+                      <a:prstDash val="solid"/>
+                      <a:round/>
+                      <a:headEnd type="none" w="med" len="med"/>
+                      <a:tailEnd type="none" w="med" len="med"/>
+                    </a:lnT>
+                    <a:lnB w="12700" cap="flat" cmpd="sng" algn="ctr">
+                      <a:solidFill>
+                        <a:schemeClr val="tx1"/>
+                      </a:solidFill>
+                      <a:prstDash val="solid"/>
+                      <a:round/>
+                      <a:headEnd type="none" w="med" len="med"/>
+                      <a:tailEnd type="none" w="med" len="med"/>
+                    </a:lnB>
+                  </a:tcPr>
+                </a:tc>
+                <a:tc>
+                  <a:txBody>
+                    <a:bodyPr/>
+                    <a:lstStyle/>
+                    <a:p>
+                      <a:r>
+                        <a:rPr lang="en-US" sz="2700" dirty="0"/>
+                        <a:t>6.93k</a:t>
+                      </a:r>
+                    </a:p>
+                  </a:txBody>
+                  <a:tcPr marL="139863" marR="139863" marT="69932" marB="69932">
+                    <a:lnL w="12700" cap="flat" cmpd="sng" algn="ctr">
+                      <a:solidFill>
+                        <a:schemeClr val="tx1"/>
+                      </a:solidFill>
+                      <a:prstDash val="solid"/>
+                      <a:round/>
+                      <a:headEnd type="none" w="med" len="med"/>
+                      <a:tailEnd type="none" w="med" len="med"/>
+                    </a:lnL>
+                    <a:lnR w="12700" cap="flat" cmpd="sng" algn="ctr">
+                      <a:solidFill>
+                        <a:schemeClr val="tx1"/>
+                      </a:solidFill>
+                      <a:prstDash val="solid"/>
+                      <a:round/>
+                      <a:headEnd type="none" w="med" len="med"/>
+                      <a:tailEnd type="none" w="med" len="med"/>
+                    </a:lnR>
+                    <a:lnT w="12700" cap="flat" cmpd="sng" algn="ctr">
+                      <a:solidFill>
+                        <a:schemeClr val="tx1"/>
+                      </a:solidFill>
+                      <a:prstDash val="solid"/>
+                      <a:round/>
+                      <a:headEnd type="none" w="med" len="med"/>
+                      <a:tailEnd type="none" w="med" len="med"/>
+                    </a:lnT>
+                    <a:lnB w="12700" cap="flat" cmpd="sng" algn="ctr">
+                      <a:solidFill>
+                        <a:schemeClr val="tx1"/>
+                      </a:solidFill>
+                      <a:prstDash val="solid"/>
+                      <a:round/>
+                      <a:headEnd type="none" w="med" len="med"/>
+                      <a:tailEnd type="none" w="med" len="med"/>
+                    </a:lnB>
+                  </a:tcPr>
+                </a:tc>
+                <a:tc>
+                  <a:txBody>
+                    <a:bodyPr/>
+                    <a:lstStyle/>
+                    <a:p>
+                      <a:r>
+                        <a:rPr lang="en-US" sz="2700" dirty="0"/>
+                        <a:t>12.00k</a:t>
+                      </a:r>
+                    </a:p>
+                  </a:txBody>
+                  <a:tcPr marL="139863" marR="139863" marT="69932" marB="69932">
+                    <a:lnL w="12700" cap="flat" cmpd="sng" algn="ctr">
+                      <a:solidFill>
+                        <a:schemeClr val="tx1"/>
+                      </a:solidFill>
+                      <a:prstDash val="solid"/>
+                      <a:round/>
+                      <a:headEnd type="none" w="med" len="med"/>
+                      <a:tailEnd type="none" w="med" len="med"/>
+                    </a:lnL>
+                    <a:lnR w="12700" cap="flat" cmpd="sng" algn="ctr">
+                      <a:solidFill>
+                        <a:schemeClr val="tx1"/>
+                      </a:solidFill>
+                      <a:prstDash val="solid"/>
+                      <a:round/>
+                      <a:headEnd type="none" w="med" len="med"/>
+                      <a:tailEnd type="none" w="med" len="med"/>
+                    </a:lnR>
+                    <a:lnT w="12700" cap="flat" cmpd="sng" algn="ctr">
+                      <a:solidFill>
+                        <a:schemeClr val="tx1"/>
+                      </a:solidFill>
+                      <a:prstDash val="solid"/>
+                      <a:round/>
+                      <a:headEnd type="none" w="med" len="med"/>
+                      <a:tailEnd type="none" w="med" len="med"/>
+                    </a:lnT>
+                    <a:lnB w="12700" cap="flat" cmpd="sng" algn="ctr">
+                      <a:solidFill>
+                        <a:schemeClr val="tx1"/>
+                      </a:solidFill>
+                      <a:prstDash val="solid"/>
+                      <a:round/>
+                      <a:headEnd type="none" w="med" len="med"/>
+                      <a:tailEnd type="none" w="med" len="med"/>
+                    </a:lnB>
+                  </a:tcPr>
+                </a:tc>
+                <a:tc>
+                  <a:txBody>
+                    <a:bodyPr/>
+                    <a:lstStyle/>
+                    <a:p>
+                      <a:r>
+                        <a:rPr lang="en-US" sz="2700" dirty="0"/>
+                        <a:t>8.51k</a:t>
+                      </a:r>
+                    </a:p>
+                  </a:txBody>
+                  <a:tcPr marL="139863" marR="139863" marT="69932" marB="69932">
+                    <a:lnL w="12700" cap="flat" cmpd="sng" algn="ctr">
+                      <a:solidFill>
+                        <a:schemeClr val="tx1"/>
+                      </a:solidFill>
+                      <a:prstDash val="solid"/>
+                      <a:round/>
+                      <a:headEnd type="none" w="med" len="med"/>
+                      <a:tailEnd type="none" w="med" len="med"/>
+                    </a:lnL>
+                    <a:lnR w="12700" cap="flat" cmpd="sng" algn="ctr">
+                      <a:solidFill>
+                        <a:schemeClr val="tx1"/>
+                      </a:solidFill>
+                      <a:prstDash val="solid"/>
+                      <a:round/>
+                      <a:headEnd type="none" w="med" len="med"/>
+                      <a:tailEnd type="none" w="med" len="med"/>
+                    </a:lnR>
+                    <a:lnT w="12700" cap="flat" cmpd="sng" algn="ctr">
+                      <a:solidFill>
+                        <a:schemeClr val="tx1"/>
+                      </a:solidFill>
+                      <a:prstDash val="solid"/>
+                      <a:round/>
+                      <a:headEnd type="none" w="med" len="med"/>
+                      <a:tailEnd type="none" w="med" len="med"/>
+                    </a:lnT>
+                    <a:lnB w="12700" cap="flat" cmpd="sng" algn="ctr">
+                      <a:solidFill>
+                        <a:schemeClr val="tx1"/>
+                      </a:solidFill>
+                      <a:prstDash val="solid"/>
+                      <a:round/>
+                      <a:headEnd type="none" w="med" len="med"/>
+                      <a:tailEnd type="none" w="med" len="med"/>
+                    </a:lnB>
+                  </a:tcPr>
+                </a:tc>
+                <a:tc>
+                  <a:txBody>
+                    <a:bodyPr/>
+                    <a:lstStyle/>
+                    <a:p>
+                      <a:r>
+                        <a:rPr lang="en-US" sz="2700" dirty="0"/>
+                        <a:t>9.31k</a:t>
+                      </a:r>
+                    </a:p>
+                  </a:txBody>
+                  <a:tcPr marL="139863" marR="139863" marT="69932" marB="69932">
+                    <a:lnL w="12700" cap="flat" cmpd="sng" algn="ctr">
+                      <a:solidFill>
+                        <a:schemeClr val="tx1"/>
+                      </a:solidFill>
+                      <a:prstDash val="solid"/>
+                      <a:round/>
+                      <a:headEnd type="none" w="med" len="med"/>
+                      <a:tailEnd type="none" w="med" len="med"/>
+                    </a:lnL>
+                    <a:lnR w="12700" cap="flat" cmpd="sng" algn="ctr">
+                      <a:solidFill>
+                        <a:schemeClr val="tx1"/>
+                      </a:solidFill>
+                      <a:prstDash val="solid"/>
+                      <a:round/>
+                      <a:headEnd type="none" w="med" len="med"/>
+                      <a:tailEnd type="none" w="med" len="med"/>
+                    </a:lnR>
+                    <a:lnT w="12700" cap="flat" cmpd="sng" algn="ctr">
+                      <a:solidFill>
+                        <a:schemeClr val="tx1"/>
+                      </a:solidFill>
+                      <a:prstDash val="solid"/>
+                      <a:round/>
+                      <a:headEnd type="none" w="med" len="med"/>
+                      <a:tailEnd type="none" w="med" len="med"/>
+                    </a:lnT>
+                    <a:lnB w="12700" cap="flat" cmpd="sng" algn="ctr">
+                      <a:solidFill>
+                        <a:schemeClr val="tx1"/>
+                      </a:solidFill>
+                      <a:prstDash val="solid"/>
+                      <a:round/>
+                      <a:headEnd type="none" w="med" len="med"/>
+                      <a:tailEnd type="none" w="med" len="med"/>
+                    </a:lnB>
+                  </a:tcPr>
+                </a:tc>
+                <a:extLst>
+                  <a:ext uri="{0D108BD9-81ED-4DB2-BD59-A6C34878D82A}">
+                    <a16:rowId xmlns:a16="http://schemas.microsoft.com/office/drawing/2014/main" val="167111624"/>
+                  </a:ext>
+                </a:extLst>
+              </a:tr>
+              <a:tr h="1002045">
+                <a:tc>
+                  <a:txBody>
+                    <a:bodyPr/>
+                    <a:lstStyle/>
+                    <a:p>
+                      <a:r>
+                        <a:rPr lang="en-US" sz="2700"/>
+                        <a:t>Range 3</a:t>
+                      </a:r>
+                    </a:p>
+                  </a:txBody>
+                  <a:tcPr marL="139863" marR="139863" marT="69932" marB="69932">
+                    <a:lnL w="12700" cap="flat" cmpd="sng" algn="ctr">
+                      <a:solidFill>
+                        <a:schemeClr val="tx1"/>
+                      </a:solidFill>
+                      <a:prstDash val="solid"/>
+                      <a:round/>
+                      <a:headEnd type="none" w="med" len="med"/>
+                      <a:tailEnd type="none" w="med" len="med"/>
+                    </a:lnL>
+                    <a:lnR w="12700" cap="flat" cmpd="sng" algn="ctr">
+                      <a:solidFill>
+                        <a:schemeClr val="tx1"/>
+                      </a:solidFill>
+                      <a:prstDash val="solid"/>
+                      <a:round/>
+                      <a:headEnd type="none" w="med" len="med"/>
+                      <a:tailEnd type="none" w="med" len="med"/>
+                    </a:lnR>
+                    <a:lnT w="12700" cap="flat" cmpd="sng" algn="ctr">
+                      <a:solidFill>
+                        <a:schemeClr val="tx1"/>
+                      </a:solidFill>
+                      <a:prstDash val="solid"/>
+                      <a:round/>
+                      <a:headEnd type="none" w="med" len="med"/>
+                      <a:tailEnd type="none" w="med" len="med"/>
+                    </a:lnT>
+                    <a:lnB w="12700" cap="flat" cmpd="sng" algn="ctr">
+                      <a:solidFill>
+                        <a:schemeClr val="tx1"/>
+                      </a:solidFill>
+                      <a:prstDash val="solid"/>
+                      <a:round/>
+                      <a:headEnd type="none" w="med" len="med"/>
+                      <a:tailEnd type="none" w="med" len="med"/>
+                    </a:lnB>
+                  </a:tcPr>
+                </a:tc>
+                <a:tc>
+                  <a:txBody>
+                    <a:bodyPr/>
+                    <a:lstStyle/>
+                    <a:p>
+                      <a:r>
+                        <a:rPr lang="en-US" sz="2700" dirty="0"/>
+                        <a:t>20.00k</a:t>
+                      </a:r>
+                    </a:p>
+                  </a:txBody>
+                  <a:tcPr marL="139863" marR="139863" marT="69932" marB="69932">
+                    <a:lnL w="12700" cap="flat" cmpd="sng" algn="ctr">
+                      <a:solidFill>
+                        <a:schemeClr val="tx1"/>
+                      </a:solidFill>
+                      <a:prstDash val="solid"/>
+                      <a:round/>
+                      <a:headEnd type="none" w="med" len="med"/>
+                      <a:tailEnd type="none" w="med" len="med"/>
+                    </a:lnL>
+                    <a:lnR w="12700" cap="flat" cmpd="sng" algn="ctr">
+                      <a:solidFill>
+                        <a:schemeClr val="tx1"/>
+                      </a:solidFill>
+                      <a:prstDash val="solid"/>
+                      <a:round/>
+                      <a:headEnd type="none" w="med" len="med"/>
+                      <a:tailEnd type="none" w="med" len="med"/>
+                    </a:lnR>
+                    <a:lnT w="12700" cap="flat" cmpd="sng" algn="ctr">
+                      <a:solidFill>
+                        <a:schemeClr val="tx1"/>
+                      </a:solidFill>
+                      <a:prstDash val="solid"/>
+                      <a:round/>
+                      <a:headEnd type="none" w="med" len="med"/>
+                      <a:tailEnd type="none" w="med" len="med"/>
+                    </a:lnT>
+                    <a:lnB w="12700" cap="flat" cmpd="sng" algn="ctr">
+                      <a:solidFill>
+                        <a:schemeClr val="tx1"/>
+                      </a:solidFill>
+                      <a:prstDash val="solid"/>
+                      <a:round/>
+                      <a:headEnd type="none" w="med" len="med"/>
+                      <a:tailEnd type="none" w="med" len="med"/>
+                    </a:lnB>
+                  </a:tcPr>
+                </a:tc>
+                <a:tc>
+                  <a:txBody>
+                    <a:bodyPr/>
+                    <a:lstStyle/>
+                    <a:p>
+                      <a:r>
+                        <a:rPr lang="en-US" sz="2700" dirty="0"/>
+                        <a:t>N/A</a:t>
+                      </a:r>
+                    </a:p>
+                  </a:txBody>
+                  <a:tcPr marL="139863" marR="139863" marT="69932" marB="69932">
+                    <a:lnL w="12700" cap="flat" cmpd="sng" algn="ctr">
+                      <a:solidFill>
+                        <a:schemeClr val="tx1"/>
+                      </a:solidFill>
+                      <a:prstDash val="solid"/>
+                      <a:round/>
+                      <a:headEnd type="none" w="med" len="med"/>
+                      <a:tailEnd type="none" w="med" len="med"/>
+                    </a:lnL>
+                    <a:lnR w="12700" cap="flat" cmpd="sng" algn="ctr">
+                      <a:solidFill>
+                        <a:schemeClr val="tx1"/>
+                      </a:solidFill>
+                      <a:prstDash val="solid"/>
+                      <a:round/>
+                      <a:headEnd type="none" w="med" len="med"/>
+                      <a:tailEnd type="none" w="med" len="med"/>
+                    </a:lnR>
+                    <a:lnT w="12700" cap="flat" cmpd="sng" algn="ctr">
+                      <a:solidFill>
+                        <a:schemeClr val="tx1"/>
+                      </a:solidFill>
+                      <a:prstDash val="solid"/>
+                      <a:round/>
+                      <a:headEnd type="none" w="med" len="med"/>
+                      <a:tailEnd type="none" w="med" len="med"/>
+                    </a:lnT>
+                    <a:lnB w="12700" cap="flat" cmpd="sng" algn="ctr">
+                      <a:solidFill>
+                        <a:schemeClr val="tx1"/>
+                      </a:solidFill>
+                      <a:prstDash val="solid"/>
+                      <a:round/>
+                      <a:headEnd type="none" w="med" len="med"/>
+                      <a:tailEnd type="none" w="med" len="med"/>
+                    </a:lnB>
+                  </a:tcPr>
+                </a:tc>
+                <a:tc>
+                  <a:txBody>
+                    <a:bodyPr/>
+                    <a:lstStyle/>
+                    <a:p>
+                      <a:r>
+                        <a:rPr lang="en-US" sz="2700" dirty="0"/>
+                        <a:t>80k</a:t>
+                      </a:r>
+                    </a:p>
+                  </a:txBody>
+                  <a:tcPr marL="139863" marR="139863" marT="69932" marB="69932">
+                    <a:lnL w="12700" cap="flat" cmpd="sng" algn="ctr">
+                      <a:solidFill>
+                        <a:schemeClr val="tx1"/>
+                      </a:solidFill>
+                      <a:prstDash val="solid"/>
+                      <a:round/>
+                      <a:headEnd type="none" w="med" len="med"/>
+                      <a:tailEnd type="none" w="med" len="med"/>
+                    </a:lnL>
+                    <a:lnR w="12700" cap="flat" cmpd="sng" algn="ctr">
+                      <a:solidFill>
+                        <a:schemeClr val="tx1"/>
+                      </a:solidFill>
+                      <a:prstDash val="solid"/>
+                      <a:round/>
+                      <a:headEnd type="none" w="med" len="med"/>
+                      <a:tailEnd type="none" w="med" len="med"/>
+                    </a:lnR>
+                    <a:lnT w="12700" cap="flat" cmpd="sng" algn="ctr">
+                      <a:solidFill>
+                        <a:schemeClr val="tx1"/>
+                      </a:solidFill>
+                      <a:prstDash val="solid"/>
+                      <a:round/>
+                      <a:headEnd type="none" w="med" len="med"/>
+                      <a:tailEnd type="none" w="med" len="med"/>
+                    </a:lnT>
+                    <a:lnB w="12700" cap="flat" cmpd="sng" algn="ctr">
+                      <a:solidFill>
+                        <a:schemeClr val="tx1"/>
+                      </a:solidFill>
+                      <a:prstDash val="solid"/>
+                      <a:round/>
+                      <a:headEnd type="none" w="med" len="med"/>
+                      <a:tailEnd type="none" w="med" len="med"/>
+                    </a:lnB>
+                  </a:tcPr>
+                </a:tc>
+                <a:tc>
+                  <a:txBody>
+                    <a:bodyPr/>
+                    <a:lstStyle/>
+                    <a:p>
+                      <a:r>
+                        <a:rPr lang="en-US" sz="2700" dirty="0"/>
+                        <a:t>N/A</a:t>
+                      </a:r>
+                    </a:p>
+                  </a:txBody>
+                  <a:tcPr marL="139863" marR="139863" marT="69932" marB="69932">
+                    <a:lnL w="12700" cap="flat" cmpd="sng" algn="ctr">
+                      <a:solidFill>
+                        <a:schemeClr val="tx1"/>
+                      </a:solidFill>
+                      <a:prstDash val="solid"/>
+                      <a:round/>
+                      <a:headEnd type="none" w="med" len="med"/>
+                      <a:tailEnd type="none" w="med" len="med"/>
+                    </a:lnL>
+                    <a:lnR w="12700" cap="flat" cmpd="sng" algn="ctr">
+                      <a:solidFill>
+                        <a:schemeClr val="tx1"/>
+                      </a:solidFill>
+                      <a:prstDash val="solid"/>
+                      <a:round/>
+                      <a:headEnd type="none" w="med" len="med"/>
+                      <a:tailEnd type="none" w="med" len="med"/>
+                    </a:lnR>
+                    <a:lnT w="12700" cap="flat" cmpd="sng" algn="ctr">
+                      <a:solidFill>
+                        <a:schemeClr val="tx1"/>
+                      </a:solidFill>
+                      <a:prstDash val="solid"/>
+                      <a:round/>
+                      <a:headEnd type="none" w="med" len="med"/>
+                      <a:tailEnd type="none" w="med" len="med"/>
+                    </a:lnT>
+                    <a:lnB w="12700" cap="flat" cmpd="sng" algn="ctr">
+                      <a:solidFill>
+                        <a:schemeClr val="tx1"/>
+                      </a:solidFill>
+                      <a:prstDash val="solid"/>
+                      <a:round/>
+                      <a:headEnd type="none" w="med" len="med"/>
+                      <a:tailEnd type="none" w="med" len="med"/>
+                    </a:lnB>
+                  </a:tcPr>
+                </a:tc>
+                <a:extLst>
+                  <a:ext uri="{0D108BD9-81ED-4DB2-BD59-A6C34878D82A}">
+                    <a16:rowId xmlns:a16="http://schemas.microsoft.com/office/drawing/2014/main" val="968465765"/>
+                  </a:ext>
+                </a:extLst>
+              </a:tr>
+            </a:tbl>
+          </a:graphicData>
+        </a:graphic>
+      </p:graphicFrame>
     </p:spTree>
     <p:extLst>
       <p:ext uri="{BB962C8B-B14F-4D97-AF65-F5344CB8AC3E}">
-        <p14:creationId xmlns:p14="http://schemas.microsoft.com/office/powerpoint/2010/main" val="714914680"/>
+        <p14:creationId xmlns:p14="http://schemas.microsoft.com/office/powerpoint/2010/main" val="3675011650"/>
       </p:ext>
     </p:extLst>
   </p:cSld>
@@ -18017,6 +19525,254 @@
           <a:chExt cx="0" cy="0"/>
         </a:xfrm>
       </p:grpSpPr>
+      <p:sp>
+        <p:nvSpPr>
+          <p:cNvPr id="17" name="Rectangle 16">
+            <a:extLst>
+              <a:ext uri="{FF2B5EF4-FFF2-40B4-BE49-F238E27FC236}">
+                <a16:creationId xmlns:a16="http://schemas.microsoft.com/office/drawing/2014/main" id="{6753252F-4873-4F63-801D-CC719279A7D5}"/>
+              </a:ext>
+              <a:ext uri="{C183D7F6-B498-43B3-948B-1728B52AA6E4}">
+                <adec:decorative xmlns:adec="http://schemas.microsoft.com/office/drawing/2017/decorative" val="1"/>
+              </a:ext>
+            </a:extLst>
+          </p:cNvPr>
+          <p:cNvSpPr>
+            <a:spLocks noGrp="1" noRot="1" noChangeAspect="1" noMove="1" noResize="1" noEditPoints="1" noAdjustHandles="1" noChangeArrowheads="1" noChangeShapeType="1" noTextEdit="1"/>
+          </p:cNvSpPr>
+          <p:nvPr>
+            <p:extLst>
+              <p:ext uri="{386F3935-93C4-4BCD-93E2-E3B085C9AB24}">
+                <p16:designElem xmlns:p16="http://schemas.microsoft.com/office/powerpoint/2015/main" val="1"/>
+              </p:ext>
+            </p:extLst>
+          </p:nvPr>
+        </p:nvSpPr>
+        <p:spPr>
+          <a:xfrm>
+            <a:off x="0" y="0"/>
+            <a:ext cx="12192000" cy="6858000"/>
+          </a:xfrm>
+          <a:prstGeom prst="rect">
+            <a:avLst/>
+          </a:prstGeom>
+          <a:solidFill>
+            <a:srgbClr val="FFFFFF"/>
+          </a:solidFill>
+          <a:ln>
+            <a:noFill/>
+          </a:ln>
+        </p:spPr>
+        <p:style>
+          <a:lnRef idx="2">
+            <a:schemeClr val="accent1">
+              <a:shade val="50000"/>
+            </a:schemeClr>
+          </a:lnRef>
+          <a:fillRef idx="1">
+            <a:schemeClr val="accent1"/>
+          </a:fillRef>
+          <a:effectRef idx="0">
+            <a:schemeClr val="accent1"/>
+          </a:effectRef>
+          <a:fontRef idx="minor">
+            <a:schemeClr val="lt1"/>
+          </a:fontRef>
+        </p:style>
+        <p:txBody>
+          <a:bodyPr rtlCol="0" anchor="ctr"/>
+          <a:lstStyle/>
+          <a:p>
+            <a:pPr algn="ctr"/>
+            <a:endParaRPr lang="en-US"/>
+          </a:p>
+        </p:txBody>
+      </p:sp>
+      <p:sp>
+        <p:nvSpPr>
+          <p:cNvPr id="19" name="Rectangle 18">
+            <a:extLst>
+              <a:ext uri="{FF2B5EF4-FFF2-40B4-BE49-F238E27FC236}">
+                <a16:creationId xmlns:a16="http://schemas.microsoft.com/office/drawing/2014/main" id="{047C8CCB-F95D-4249-92DD-651249D3535A}"/>
+              </a:ext>
+              <a:ext uri="{C183D7F6-B498-43B3-948B-1728B52AA6E4}">
+                <adec:decorative xmlns:adec="http://schemas.microsoft.com/office/drawing/2017/decorative" val="1"/>
+              </a:ext>
+            </a:extLst>
+          </p:cNvPr>
+          <p:cNvSpPr>
+            <a:spLocks noGrp="1" noRot="1" noChangeAspect="1" noMove="1" noResize="1" noEditPoints="1" noAdjustHandles="1" noChangeArrowheads="1" noChangeShapeType="1" noTextEdit="1"/>
+          </p:cNvSpPr>
+          <p:nvPr>
+            <p:extLst>
+              <p:ext uri="{386F3935-93C4-4BCD-93E2-E3B085C9AB24}">
+                <p16:designElem xmlns:p16="http://schemas.microsoft.com/office/powerpoint/2015/main" val="1"/>
+              </p:ext>
+            </p:extLst>
+          </p:nvPr>
+        </p:nvSpPr>
+        <p:spPr>
+          <a:xfrm>
+            <a:off x="0" y="0"/>
+            <a:ext cx="2013557" cy="6858000"/>
+          </a:xfrm>
+          <a:prstGeom prst="rect">
+            <a:avLst/>
+          </a:prstGeom>
+          <a:solidFill>
+            <a:srgbClr val="7F7F7F"/>
+          </a:solidFill>
+          <a:ln>
+            <a:noFill/>
+          </a:ln>
+        </p:spPr>
+        <p:style>
+          <a:lnRef idx="2">
+            <a:schemeClr val="accent1">
+              <a:shade val="50000"/>
+            </a:schemeClr>
+          </a:lnRef>
+          <a:fillRef idx="1">
+            <a:schemeClr val="accent1"/>
+          </a:fillRef>
+          <a:effectRef idx="0">
+            <a:schemeClr val="accent1"/>
+          </a:effectRef>
+          <a:fontRef idx="minor">
+            <a:schemeClr val="lt1"/>
+          </a:fontRef>
+        </p:style>
+        <p:txBody>
+          <a:bodyPr rtlCol="0" anchor="ctr"/>
+          <a:lstStyle/>
+          <a:p>
+            <a:pPr algn="ctr"/>
+            <a:endParaRPr lang="en-US"/>
+          </a:p>
+        </p:txBody>
+      </p:sp>
+      <p:sp>
+        <p:nvSpPr>
+          <p:cNvPr id="2" name="Title 1">
+            <a:extLst>
+              <a:ext uri="{FF2B5EF4-FFF2-40B4-BE49-F238E27FC236}">
+                <a16:creationId xmlns:a16="http://schemas.microsoft.com/office/drawing/2014/main" id="{EB35728E-AA9E-3745-BFB2-5CBBA798AEB5}"/>
+              </a:ext>
+            </a:extLst>
+          </p:cNvPr>
+          <p:cNvSpPr>
+            <a:spLocks noGrp="1"/>
+          </p:cNvSpPr>
+          <p:nvPr>
+            <p:ph type="title"/>
+          </p:nvPr>
+        </p:nvSpPr>
+        <p:spPr>
+          <a:xfrm>
+            <a:off x="640080" y="2074363"/>
+            <a:ext cx="2752354" cy="2709275"/>
+          </a:xfrm>
+          <a:prstGeom prst="ellipse">
+            <a:avLst/>
+          </a:prstGeom>
+          <a:solidFill>
+            <a:srgbClr val="262626"/>
+          </a:solidFill>
+          <a:ln w="174625" cmpd="thinThick">
+            <a:solidFill>
+              <a:srgbClr val="262626"/>
+            </a:solidFill>
+          </a:ln>
+        </p:spPr>
+        <p:txBody>
+          <a:bodyPr vert="horz" lIns="91440" tIns="45720" rIns="91440" bIns="45720" rtlCol="0" anchor="ctr">
+            <a:normAutofit/>
+          </a:bodyPr>
+          <a:lstStyle/>
+          <a:p>
+            <a:pPr algn="ctr"/>
+            <a:r>
+              <a:rPr lang="en-US" sz="2600" kern="1200">
+                <a:solidFill>
+                  <a:srgbClr val="FFFFFF"/>
+                </a:solidFill>
+                <a:latin typeface="+mj-lt"/>
+                <a:ea typeface="+mj-ea"/>
+                <a:cs typeface="+mj-cs"/>
+              </a:rPr>
+              <a:t>ISPP Optimization Results</a:t>
+            </a:r>
+          </a:p>
+        </p:txBody>
+      </p:sp>
+      <p:pic>
+        <p:nvPicPr>
+          <p:cNvPr id="5" name="Content Placeholder 4">
+            <a:extLst>
+              <a:ext uri="{FF2B5EF4-FFF2-40B4-BE49-F238E27FC236}">
+                <a16:creationId xmlns:a16="http://schemas.microsoft.com/office/drawing/2014/main" id="{92916832-1176-C747-AD9D-7F87BBB4BF78}"/>
+              </a:ext>
+            </a:extLst>
+          </p:cNvPr>
+          <p:cNvPicPr>
+            <a:picLocks noChangeAspect="1"/>
+          </p:cNvPicPr>
+          <p:nvPr/>
+        </p:nvPicPr>
+        <p:blipFill>
+          <a:blip r:embed="rId2"/>
+          <a:stretch>
+            <a:fillRect/>
+          </a:stretch>
+        </p:blipFill>
+        <p:spPr>
+          <a:xfrm>
+            <a:off x="4345375" y="961812"/>
+            <a:ext cx="6574649" cy="4930987"/>
+          </a:xfrm>
+          <a:prstGeom prst="rect">
+            <a:avLst/>
+          </a:prstGeom>
+        </p:spPr>
+      </p:pic>
+    </p:spTree>
+    <p:extLst>
+      <p:ext uri="{BB962C8B-B14F-4D97-AF65-F5344CB8AC3E}">
+        <p14:creationId xmlns:p14="http://schemas.microsoft.com/office/powerpoint/2010/main" val="327925373"/>
+      </p:ext>
+    </p:extLst>
+  </p:cSld>
+  <p:clrMapOvr>
+    <a:masterClrMapping/>
+  </p:clrMapOvr>
+</p:sld>
+</file>
+
+<file path=ppt/slides/slide21.xml><?xml version="1.0" encoding="utf-8"?>
+<p:sld xmlns:a="http://schemas.openxmlformats.org/drawingml/2006/main" xmlns:r="http://schemas.openxmlformats.org/officeDocument/2006/relationships" xmlns:p="http://schemas.openxmlformats.org/presentationml/2006/main">
+  <p:cSld>
+    <p:bg>
+      <p:bgPr>
+        <a:solidFill>
+          <a:schemeClr val="bg1"/>
+        </a:solidFill>
+        <a:effectLst/>
+      </p:bgPr>
+    </p:bg>
+    <p:spTree>
+      <p:nvGrpSpPr>
+        <p:cNvPr id="1" name=""/>
+        <p:cNvGrpSpPr/>
+        <p:nvPr/>
+      </p:nvGrpSpPr>
+      <p:grpSpPr>
+        <a:xfrm>
+          <a:off x="0" y="0"/>
+          <a:ext cx="0" cy="0"/>
+          <a:chOff x="0" y="0"/>
+          <a:chExt cx="0" cy="0"/>
+        </a:xfrm>
+      </p:grpSpPr>
       <p:sp useBgFill="1">
         <p:nvSpPr>
           <p:cNvPr id="19" name="Rectangle 21">
@@ -18432,7 +20188,7 @@
 </p:sld>
 </file>
 
-<file path=ppt/slides/slide21.xml><?xml version="1.0" encoding="utf-8"?>
+<file path=ppt/slides/slide22.xml><?xml version="1.0" encoding="utf-8"?>
 <p:sld xmlns:a="http://schemas.openxmlformats.org/drawingml/2006/main" xmlns:r="http://schemas.openxmlformats.org/officeDocument/2006/relationships" xmlns:p="http://schemas.openxmlformats.org/presentationml/2006/main">
   <p:cSld>
     <p:bg>
@@ -18679,7 +20435,7 @@
 </p:sld>
 </file>
 
-<file path=ppt/slides/slide22.xml><?xml version="1.0" encoding="utf-8"?>
+<file path=ppt/slides/slide23.xml><?xml version="1.0" encoding="utf-8"?>
 <p:sld xmlns:a="http://schemas.openxmlformats.org/drawingml/2006/main" xmlns:r="http://schemas.openxmlformats.org/officeDocument/2006/relationships" xmlns:p="http://schemas.openxmlformats.org/presentationml/2006/main">
   <p:cSld>
     <p:bg>
@@ -18928,7 +20684,7 @@
 </p:sld>
 </file>
 
-<file path=ppt/slides/slide23.xml><?xml version="1.0" encoding="utf-8"?>
+<file path=ppt/slides/slide24.xml><?xml version="1.0" encoding="utf-8"?>
 <p:sld xmlns:a="http://schemas.openxmlformats.org/drawingml/2006/main" xmlns:r="http://schemas.openxmlformats.org/officeDocument/2006/relationships" xmlns:p="http://schemas.openxmlformats.org/presentationml/2006/main">
   <p:cSld>
     <p:bg>
@@ -19174,7 +20930,7 @@
 </p:sld>
 </file>
 
-<file path=ppt/slides/slide24.xml><?xml version="1.0" encoding="utf-8"?>
+<file path=ppt/slides/slide25.xml><?xml version="1.0" encoding="utf-8"?>
 <p:sld xmlns:a="http://schemas.openxmlformats.org/drawingml/2006/main" xmlns:r="http://schemas.openxmlformats.org/officeDocument/2006/relationships" xmlns:p="http://schemas.openxmlformats.org/presentationml/2006/main">
   <p:cSld>
     <p:bg>
@@ -19614,7 +21370,7 @@
 </p:sld>
 </file>
 
-<file path=ppt/slides/slide25.xml><?xml version="1.0" encoding="utf-8"?>
+<file path=ppt/slides/slide26.xml><?xml version="1.0" encoding="utf-8"?>
 <p:sld xmlns:a="http://schemas.openxmlformats.org/drawingml/2006/main" xmlns:r="http://schemas.openxmlformats.org/officeDocument/2006/relationships" xmlns:p="http://schemas.openxmlformats.org/presentationml/2006/main">
   <p:cSld>
     <p:bg>
@@ -22077,7 +23833,7 @@
 </p:sld>
 </file>
 
-<file path=ppt/slides/slide26.xml><?xml version="1.0" encoding="utf-8"?>
+<file path=ppt/slides/slide27.xml><?xml version="1.0" encoding="utf-8"?>
 <p:sld xmlns:a="http://schemas.openxmlformats.org/drawingml/2006/main" xmlns:r="http://schemas.openxmlformats.org/officeDocument/2006/relationships" xmlns:p="http://schemas.openxmlformats.org/presentationml/2006/main" show="0">
   <p:cSld>
     <p:bg>
@@ -22327,7 +24083,7 @@
 </p:sld>
 </file>
 
-<file path=ppt/slides/slide27.xml><?xml version="1.0" encoding="utf-8"?>
+<file path=ppt/slides/slide28.xml><?xml version="1.0" encoding="utf-8"?>
 <p:sld xmlns:a="http://schemas.openxmlformats.org/drawingml/2006/main" xmlns:r="http://schemas.openxmlformats.org/officeDocument/2006/relationships" xmlns:p="http://schemas.openxmlformats.org/presentationml/2006/main" show="0">
   <p:cSld>
     <p:spTree>
@@ -22489,7 +24245,7 @@
 </p:sld>
 </file>
 
-<file path=ppt/slides/slide28.xml><?xml version="1.0" encoding="utf-8"?>
+<file path=ppt/slides/slide29.xml><?xml version="1.0" encoding="utf-8"?>
 <p:sld xmlns:a="http://schemas.openxmlformats.org/drawingml/2006/main" xmlns:r="http://schemas.openxmlformats.org/officeDocument/2006/relationships" xmlns:p="http://schemas.openxmlformats.org/presentationml/2006/main" show="0">
   <p:cSld>
     <p:spTree>
@@ -22680,93 +24436,6 @@
     <p:extLst>
       <p:ext uri="{BB962C8B-B14F-4D97-AF65-F5344CB8AC3E}">
         <p14:creationId xmlns:p14="http://schemas.microsoft.com/office/powerpoint/2010/main" val="734798000"/>
-      </p:ext>
-    </p:extLst>
-  </p:cSld>
-  <p:clrMapOvr>
-    <a:masterClrMapping/>
-  </p:clrMapOvr>
-</p:sld>
-</file>
-
-<file path=ppt/slides/slide29.xml><?xml version="1.0" encoding="utf-8"?>
-<p:sld xmlns:a="http://schemas.openxmlformats.org/drawingml/2006/main" xmlns:r="http://schemas.openxmlformats.org/officeDocument/2006/relationships" xmlns:p="http://schemas.openxmlformats.org/presentationml/2006/main" show="0">
-  <p:cSld>
-    <p:spTree>
-      <p:nvGrpSpPr>
-        <p:cNvPr id="1" name=""/>
-        <p:cNvGrpSpPr/>
-        <p:nvPr/>
-      </p:nvGrpSpPr>
-      <p:grpSpPr>
-        <a:xfrm>
-          <a:off x="0" y="0"/>
-          <a:ext cx="0" cy="0"/>
-          <a:chOff x="0" y="0"/>
-          <a:chExt cx="0" cy="0"/>
-        </a:xfrm>
-      </p:grpSpPr>
-      <p:sp>
-        <p:nvSpPr>
-          <p:cNvPr id="2" name="Title 1">
-            <a:extLst>
-              <a:ext uri="{FF2B5EF4-FFF2-40B4-BE49-F238E27FC236}">
-                <a16:creationId xmlns:a16="http://schemas.microsoft.com/office/drawing/2014/main" id="{5FEC19CE-75E0-F744-931C-343EA8833947}"/>
-              </a:ext>
-            </a:extLst>
-          </p:cNvPr>
-          <p:cNvSpPr>
-            <a:spLocks noGrp="1"/>
-          </p:cNvSpPr>
-          <p:nvPr>
-            <p:ph type="title"/>
-          </p:nvPr>
-        </p:nvSpPr>
-        <p:spPr/>
-        <p:txBody>
-          <a:bodyPr/>
-          <a:lstStyle/>
-          <a:p>
-            <a:r>
-              <a:rPr lang="en-US" dirty="0"/>
-              <a:t>VSL Optimization 1</a:t>
-            </a:r>
-          </a:p>
-        </p:txBody>
-      </p:sp>
-      <p:pic>
-        <p:nvPicPr>
-          <p:cNvPr id="5" name="Content Placeholder 4">
-            <a:extLst>
-              <a:ext uri="{FF2B5EF4-FFF2-40B4-BE49-F238E27FC236}">
-                <a16:creationId xmlns:a16="http://schemas.microsoft.com/office/drawing/2014/main" id="{F878DF02-075C-E845-8247-61215B7D79CE}"/>
-              </a:ext>
-            </a:extLst>
-          </p:cNvPr>
-          <p:cNvPicPr>
-            <a:picLocks noGrp="1" noChangeAspect="1"/>
-          </p:cNvPicPr>
-          <p:nvPr>
-            <p:ph idx="1"/>
-          </p:nvPr>
-        </p:nvPicPr>
-        <p:blipFill>
-          <a:blip r:embed="rId2"/>
-          <a:stretch>
-            <a:fillRect/>
-          </a:stretch>
-        </p:blipFill>
-        <p:spPr>
-          <a:xfrm>
-            <a:off x="3197204" y="1825625"/>
-            <a:ext cx="5797591" cy="4351338"/>
-          </a:xfrm>
-        </p:spPr>
-      </p:pic>
-    </p:spTree>
-    <p:extLst>
-      <p:ext uri="{BB962C8B-B14F-4D97-AF65-F5344CB8AC3E}">
-        <p14:creationId xmlns:p14="http://schemas.microsoft.com/office/powerpoint/2010/main" val="3274438284"/>
       </p:ext>
     </p:extLst>
   </p:cSld>
@@ -23443,6 +25112,93 @@
           <p:cNvPr id="2" name="Title 1">
             <a:extLst>
               <a:ext uri="{FF2B5EF4-FFF2-40B4-BE49-F238E27FC236}">
+                <a16:creationId xmlns:a16="http://schemas.microsoft.com/office/drawing/2014/main" id="{5FEC19CE-75E0-F744-931C-343EA8833947}"/>
+              </a:ext>
+            </a:extLst>
+          </p:cNvPr>
+          <p:cNvSpPr>
+            <a:spLocks noGrp="1"/>
+          </p:cNvSpPr>
+          <p:nvPr>
+            <p:ph type="title"/>
+          </p:nvPr>
+        </p:nvSpPr>
+        <p:spPr/>
+        <p:txBody>
+          <a:bodyPr/>
+          <a:lstStyle/>
+          <a:p>
+            <a:r>
+              <a:rPr lang="en-US" dirty="0"/>
+              <a:t>VSL Optimization 1</a:t>
+            </a:r>
+          </a:p>
+        </p:txBody>
+      </p:sp>
+      <p:pic>
+        <p:nvPicPr>
+          <p:cNvPr id="5" name="Content Placeholder 4">
+            <a:extLst>
+              <a:ext uri="{FF2B5EF4-FFF2-40B4-BE49-F238E27FC236}">
+                <a16:creationId xmlns:a16="http://schemas.microsoft.com/office/drawing/2014/main" id="{F878DF02-075C-E845-8247-61215B7D79CE}"/>
+              </a:ext>
+            </a:extLst>
+          </p:cNvPr>
+          <p:cNvPicPr>
+            <a:picLocks noGrp="1" noChangeAspect="1"/>
+          </p:cNvPicPr>
+          <p:nvPr>
+            <p:ph idx="1"/>
+          </p:nvPr>
+        </p:nvPicPr>
+        <p:blipFill>
+          <a:blip r:embed="rId2"/>
+          <a:stretch>
+            <a:fillRect/>
+          </a:stretch>
+        </p:blipFill>
+        <p:spPr>
+          <a:xfrm>
+            <a:off x="3197204" y="1825625"/>
+            <a:ext cx="5797591" cy="4351338"/>
+          </a:xfrm>
+        </p:spPr>
+      </p:pic>
+    </p:spTree>
+    <p:extLst>
+      <p:ext uri="{BB962C8B-B14F-4D97-AF65-F5344CB8AC3E}">
+        <p14:creationId xmlns:p14="http://schemas.microsoft.com/office/powerpoint/2010/main" val="3274438284"/>
+      </p:ext>
+    </p:extLst>
+  </p:cSld>
+  <p:clrMapOvr>
+    <a:masterClrMapping/>
+  </p:clrMapOvr>
+</p:sld>
+</file>
+
+<file path=ppt/slides/slide31.xml><?xml version="1.0" encoding="utf-8"?>
+<p:sld xmlns:a="http://schemas.openxmlformats.org/drawingml/2006/main" xmlns:r="http://schemas.openxmlformats.org/officeDocument/2006/relationships" xmlns:p="http://schemas.openxmlformats.org/presentationml/2006/main" show="0">
+  <p:cSld>
+    <p:spTree>
+      <p:nvGrpSpPr>
+        <p:cNvPr id="1" name=""/>
+        <p:cNvGrpSpPr/>
+        <p:nvPr/>
+      </p:nvGrpSpPr>
+      <p:grpSpPr>
+        <a:xfrm>
+          <a:off x="0" y="0"/>
+          <a:ext cx="0" cy="0"/>
+          <a:chOff x="0" y="0"/>
+          <a:chExt cx="0" cy="0"/>
+        </a:xfrm>
+      </p:grpSpPr>
+      <p:sp>
+        <p:nvSpPr>
+          <p:cNvPr id="2" name="Title 1">
+            <a:extLst>
+              <a:ext uri="{FF2B5EF4-FFF2-40B4-BE49-F238E27FC236}">
                 <a16:creationId xmlns:a16="http://schemas.microsoft.com/office/drawing/2014/main" id="{2DC06F1C-FFE1-8246-B03D-0691335248F4}"/>
               </a:ext>
             </a:extLst>
@@ -23621,7 +25377,7 @@
 </p:sld>
 </file>
 
-<file path=ppt/slides/slide31.xml><?xml version="1.0" encoding="utf-8"?>
+<file path=ppt/slides/slide32.xml><?xml version="1.0" encoding="utf-8"?>
 <p:sld xmlns:a="http://schemas.openxmlformats.org/drawingml/2006/main" xmlns:r="http://schemas.openxmlformats.org/officeDocument/2006/relationships" xmlns:p="http://schemas.openxmlformats.org/presentationml/2006/main" show="0">
   <p:cSld>
     <p:spTree>
